--- a/Verbal/while, when, since, if.pptx
+++ b/Verbal/while, when, since, if.pptx
@@ -12,12 +12,13 @@
     <p:sldId id="266" r:id="rId6"/>
     <p:sldId id="269" r:id="rId7"/>
     <p:sldId id="272" r:id="rId8"/>
-    <p:sldId id="270" r:id="rId9"/>
-    <p:sldId id="273" r:id="rId10"/>
-    <p:sldId id="274" r:id="rId11"/>
-    <p:sldId id="275" r:id="rId12"/>
-    <p:sldId id="271" r:id="rId13"/>
-    <p:sldId id="267" r:id="rId14"/>
+    <p:sldId id="276" r:id="rId9"/>
+    <p:sldId id="270" r:id="rId10"/>
+    <p:sldId id="273" r:id="rId11"/>
+    <p:sldId id="274" r:id="rId12"/>
+    <p:sldId id="275" r:id="rId13"/>
+    <p:sldId id="271" r:id="rId14"/>
+    <p:sldId id="267" r:id="rId15"/>
   </p:sldIdLst>
   <p:sldSz cx="12192000" cy="6858000"/>
   <p:notesSz cx="6858000" cy="9144000"/>
@@ -140,6 +141,7 @@
           <p14:sldIdLst>
             <p14:sldId id="269"/>
             <p14:sldId id="272"/>
+            <p14:sldId id="276"/>
           </p14:sldIdLst>
         </p14:section>
         <p14:section name="If" id="{9446275C-9412-41AE-9CCB-394303D523FA}">
@@ -3499,6 +3501,96 @@
           <p:cNvPr id="3" name="Picture 2">
             <a:extLst>
               <a:ext uri="{FF2B5EF4-FFF2-40B4-BE49-F238E27FC236}">
+                <a16:creationId xmlns:a16="http://schemas.microsoft.com/office/drawing/2014/main" id="{75384EA6-79E4-4C81-80B0-55BA2F0B4146}"/>
+              </a:ext>
+            </a:extLst>
+          </p:cNvPr>
+          <p:cNvPicPr>
+            <a:picLocks noChangeAspect="1"/>
+          </p:cNvPicPr>
+          <p:nvPr/>
+        </p:nvPicPr>
+        <p:blipFill>
+          <a:blip r:embed="rId2"/>
+          <a:stretch>
+            <a:fillRect/>
+          </a:stretch>
+        </p:blipFill>
+        <p:spPr>
+          <a:xfrm>
+            <a:off x="128869" y="187819"/>
+            <a:ext cx="5071549" cy="6537688"/>
+          </a:xfrm>
+          <a:prstGeom prst="rect">
+            <a:avLst/>
+          </a:prstGeom>
+        </p:spPr>
+      </p:pic>
+      <p:pic>
+        <p:nvPicPr>
+          <p:cNvPr id="5" name="Picture 4">
+            <a:extLst>
+              <a:ext uri="{FF2B5EF4-FFF2-40B4-BE49-F238E27FC236}">
+                <a16:creationId xmlns:a16="http://schemas.microsoft.com/office/drawing/2014/main" id="{C572BDA7-6823-4A4F-9864-66A9BAC93CA6}"/>
+              </a:ext>
+            </a:extLst>
+          </p:cNvPr>
+          <p:cNvPicPr>
+            <a:picLocks noChangeAspect="1"/>
+          </p:cNvPicPr>
+          <p:nvPr/>
+        </p:nvPicPr>
+        <p:blipFill>
+          <a:blip r:embed="rId3"/>
+          <a:stretch>
+            <a:fillRect/>
+          </a:stretch>
+        </p:blipFill>
+        <p:spPr>
+          <a:xfrm>
+            <a:off x="5307826" y="160156"/>
+            <a:ext cx="6755305" cy="6593014"/>
+          </a:xfrm>
+          <a:prstGeom prst="rect">
+            <a:avLst/>
+          </a:prstGeom>
+        </p:spPr>
+      </p:pic>
+    </p:spTree>
+    <p:extLst>
+      <p:ext uri="{BB962C8B-B14F-4D97-AF65-F5344CB8AC3E}">
+        <p14:creationId xmlns:p14="http://schemas.microsoft.com/office/powerpoint/2010/main" val="911526351"/>
+      </p:ext>
+    </p:extLst>
+  </p:cSld>
+  <p:clrMapOvr>
+    <a:masterClrMapping/>
+  </p:clrMapOvr>
+</p:sld>
+</file>
+
+<file path=ppt/slides/slide11.xml><?xml version="1.0" encoding="utf-8"?>
+<p:sld xmlns:a="http://schemas.openxmlformats.org/drawingml/2006/main" xmlns:r="http://schemas.openxmlformats.org/officeDocument/2006/relationships" xmlns:p="http://schemas.openxmlformats.org/presentationml/2006/main">
+  <p:cSld>
+    <p:spTree>
+      <p:nvGrpSpPr>
+        <p:cNvPr id="1" name=""/>
+        <p:cNvGrpSpPr/>
+        <p:nvPr/>
+      </p:nvGrpSpPr>
+      <p:grpSpPr>
+        <a:xfrm>
+          <a:off x="0" y="0"/>
+          <a:ext cx="0" cy="0"/>
+          <a:chOff x="0" y="0"/>
+          <a:chExt cx="0" cy="0"/>
+        </a:xfrm>
+      </p:grpSpPr>
+      <p:pic>
+        <p:nvPicPr>
+          <p:cNvPr id="3" name="Picture 2">
+            <a:extLst>
+              <a:ext uri="{FF2B5EF4-FFF2-40B4-BE49-F238E27FC236}">
                 <a16:creationId xmlns:a16="http://schemas.microsoft.com/office/drawing/2014/main" id="{FA03759E-0CBD-453C-AA94-E4EEA60CC61D}"/>
               </a:ext>
             </a:extLst>
@@ -3537,7 +3629,7 @@
 </p:sld>
 </file>
 
-<file path=ppt/slides/slide11.xml><?xml version="1.0" encoding="utf-8"?>
+<file path=ppt/slides/slide12.xml><?xml version="1.0" encoding="utf-8"?>
 <p:sld xmlns:a="http://schemas.openxmlformats.org/drawingml/2006/main" xmlns:r="http://schemas.openxmlformats.org/officeDocument/2006/relationships" xmlns:p="http://schemas.openxmlformats.org/presentationml/2006/main">
   <p:cSld>
     <p:spTree>
@@ -3627,7 +3719,7 @@
 </p:sld>
 </file>
 
-<file path=ppt/slides/slide12.xml><?xml version="1.0" encoding="utf-8"?>
+<file path=ppt/slides/slide13.xml><?xml version="1.0" encoding="utf-8"?>
 <p:sld xmlns:a="http://schemas.openxmlformats.org/drawingml/2006/main" xmlns:r="http://schemas.openxmlformats.org/officeDocument/2006/relationships" xmlns:p="http://schemas.openxmlformats.org/presentationml/2006/main">
   <p:cSld>
     <p:spTree>
@@ -3687,7 +3779,7 @@
 </p:sld>
 </file>
 
-<file path=ppt/slides/slide13.xml><?xml version="1.0" encoding="utf-8"?>
+<file path=ppt/slides/slide14.xml><?xml version="1.0" encoding="utf-8"?>
 <p:sld xmlns:a="http://schemas.openxmlformats.org/drawingml/2006/main" xmlns:r="http://schemas.openxmlformats.org/officeDocument/2006/relationships" xmlns:p="http://schemas.openxmlformats.org/presentationml/2006/main">
   <p:cSld>
     <p:spTree>
@@ -4311,7 +4403,7 @@
           <p:cNvPr id="3" name="Picture 2">
             <a:extLst>
               <a:ext uri="{FF2B5EF4-FFF2-40B4-BE49-F238E27FC236}">
-                <a16:creationId xmlns:a16="http://schemas.microsoft.com/office/drawing/2014/main" id="{04BA0595-6AAC-4F9F-A364-F8F1D871F9DD}"/>
+                <a16:creationId xmlns:a16="http://schemas.microsoft.com/office/drawing/2014/main" id="{F8CF254B-D570-4A8A-BC65-B8EB60BBCC15}"/>
               </a:ext>
             </a:extLst>
           </p:cNvPr>
@@ -4328,8 +4420,38 @@
         </p:blipFill>
         <p:spPr>
           <a:xfrm>
-            <a:off x="3279404" y="126206"/>
-            <a:ext cx="5633192" cy="6605588"/>
+            <a:off x="156035" y="475521"/>
+            <a:ext cx="7505894" cy="6076639"/>
+          </a:xfrm>
+          <a:prstGeom prst="rect">
+            <a:avLst/>
+          </a:prstGeom>
+        </p:spPr>
+      </p:pic>
+      <p:pic>
+        <p:nvPicPr>
+          <p:cNvPr id="5" name="Picture 4">
+            <a:extLst>
+              <a:ext uri="{FF2B5EF4-FFF2-40B4-BE49-F238E27FC236}">
+                <a16:creationId xmlns:a16="http://schemas.microsoft.com/office/drawing/2014/main" id="{5ACA18BE-1823-440A-868A-13EFA9A9ACBA}"/>
+              </a:ext>
+            </a:extLst>
+          </p:cNvPr>
+          <p:cNvPicPr>
+            <a:picLocks noChangeAspect="1"/>
+          </p:cNvPicPr>
+          <p:nvPr/>
+        </p:nvPicPr>
+        <p:blipFill>
+          <a:blip r:embed="rId3"/>
+          <a:stretch>
+            <a:fillRect/>
+          </a:stretch>
+        </p:blipFill>
+        <p:spPr>
+          <a:xfrm>
+            <a:off x="7702096" y="257151"/>
+            <a:ext cx="4333869" cy="6513378"/>
           </a:xfrm>
           <a:prstGeom prst="rect">
             <a:avLst/>
@@ -4339,7 +4461,7 @@
     </p:spTree>
     <p:extLst>
       <p:ext uri="{BB962C8B-B14F-4D97-AF65-F5344CB8AC3E}">
-        <p14:creationId xmlns:p14="http://schemas.microsoft.com/office/powerpoint/2010/main" val="266418988"/>
+        <p14:creationId xmlns:p14="http://schemas.microsoft.com/office/powerpoint/2010/main" val="2191228038"/>
       </p:ext>
     </p:extLst>
   </p:cSld>
@@ -4371,7 +4493,7 @@
           <p:cNvPr id="3" name="Picture 2">
             <a:extLst>
               <a:ext uri="{FF2B5EF4-FFF2-40B4-BE49-F238E27FC236}">
-                <a16:creationId xmlns:a16="http://schemas.microsoft.com/office/drawing/2014/main" id="{75384EA6-79E4-4C81-80B0-55BA2F0B4146}"/>
+                <a16:creationId xmlns:a16="http://schemas.microsoft.com/office/drawing/2014/main" id="{04BA0595-6AAC-4F9F-A364-F8F1D871F9DD}"/>
               </a:ext>
             </a:extLst>
           </p:cNvPr>
@@ -4388,38 +4510,8 @@
         </p:blipFill>
         <p:spPr>
           <a:xfrm>
-            <a:off x="128869" y="187819"/>
-            <a:ext cx="5071549" cy="6537688"/>
-          </a:xfrm>
-          <a:prstGeom prst="rect">
-            <a:avLst/>
-          </a:prstGeom>
-        </p:spPr>
-      </p:pic>
-      <p:pic>
-        <p:nvPicPr>
-          <p:cNvPr id="5" name="Picture 4">
-            <a:extLst>
-              <a:ext uri="{FF2B5EF4-FFF2-40B4-BE49-F238E27FC236}">
-                <a16:creationId xmlns:a16="http://schemas.microsoft.com/office/drawing/2014/main" id="{C572BDA7-6823-4A4F-9864-66A9BAC93CA6}"/>
-              </a:ext>
-            </a:extLst>
-          </p:cNvPr>
-          <p:cNvPicPr>
-            <a:picLocks noChangeAspect="1"/>
-          </p:cNvPicPr>
-          <p:nvPr/>
-        </p:nvPicPr>
-        <p:blipFill>
-          <a:blip r:embed="rId3"/>
-          <a:stretch>
-            <a:fillRect/>
-          </a:stretch>
-        </p:blipFill>
-        <p:spPr>
-          <a:xfrm>
-            <a:off x="5307826" y="160156"/>
-            <a:ext cx="6755305" cy="6593014"/>
+            <a:off x="3279404" y="126206"/>
+            <a:ext cx="5633192" cy="6605588"/>
           </a:xfrm>
           <a:prstGeom prst="rect">
             <a:avLst/>
@@ -4429,7 +4521,7 @@
     </p:spTree>
     <p:extLst>
       <p:ext uri="{BB962C8B-B14F-4D97-AF65-F5344CB8AC3E}">
-        <p14:creationId xmlns:p14="http://schemas.microsoft.com/office/powerpoint/2010/main" val="911526351"/>
+        <p14:creationId xmlns:p14="http://schemas.microsoft.com/office/powerpoint/2010/main" val="266418988"/>
       </p:ext>
     </p:extLst>
   </p:cSld>
